--- a/June_Batch/2CSS/July-2022/1-07-22/CSS.pptx
+++ b/June_Batch/2CSS/July-2022/1-07-22/CSS.pptx
@@ -128,7 +128,7 @@
   </p:defaultTextStyle>
   <p:extLst>
     <p:ext uri="{EFAFB233-063F-42B5-8137-9DF3F51BA10A}">
-      <p15:sldGuideLst xmlns="" xmlns:p15="http://schemas.microsoft.com/office/powerpoint/2012/main">
+      <p15:sldGuideLst xmlns:p15="http://schemas.microsoft.com/office/powerpoint/2012/main" xmlns="">
         <p15:guide id="1" orient="horz" pos="2160">
           <p15:clr>
             <a:srgbClr val="A4A3A4"/>
@@ -329,7 +329,7 @@
     </p:spTree>
     <p:extLst>
       <p:ext uri="{BB962C8B-B14F-4D97-AF65-F5344CB8AC3E}">
-        <p14:creationId xmlns="" xmlns:p14="http://schemas.microsoft.com/office/powerpoint/2010/main" val="3096064434"/>
+        <p14:creationId xmlns:p14="http://schemas.microsoft.com/office/powerpoint/2010/main" xmlns="" val="3096064434"/>
       </p:ext>
     </p:extLst>
   </p:cSld>
@@ -501,7 +501,7 @@
     </p:spTree>
     <p:extLst>
       <p:ext uri="{BB962C8B-B14F-4D97-AF65-F5344CB8AC3E}">
-        <p14:creationId xmlns="" xmlns:p14="http://schemas.microsoft.com/office/powerpoint/2010/main" val="71407721"/>
+        <p14:creationId xmlns:p14="http://schemas.microsoft.com/office/powerpoint/2010/main" xmlns="" val="71407721"/>
       </p:ext>
     </p:extLst>
   </p:cSld>
@@ -683,7 +683,7 @@
     </p:spTree>
     <p:extLst>
       <p:ext uri="{BB962C8B-B14F-4D97-AF65-F5344CB8AC3E}">
-        <p14:creationId xmlns="" xmlns:p14="http://schemas.microsoft.com/office/powerpoint/2010/main" val="3852493858"/>
+        <p14:creationId xmlns:p14="http://schemas.microsoft.com/office/powerpoint/2010/main" xmlns="" val="3852493858"/>
       </p:ext>
     </p:extLst>
   </p:cSld>
@@ -855,7 +855,7 @@
     </p:spTree>
     <p:extLst>
       <p:ext uri="{BB962C8B-B14F-4D97-AF65-F5344CB8AC3E}">
-        <p14:creationId xmlns="" xmlns:p14="http://schemas.microsoft.com/office/powerpoint/2010/main" val="282795843"/>
+        <p14:creationId xmlns:p14="http://schemas.microsoft.com/office/powerpoint/2010/main" xmlns="" val="282795843"/>
       </p:ext>
     </p:extLst>
   </p:cSld>
@@ -1103,7 +1103,7 @@
     </p:spTree>
     <p:extLst>
       <p:ext uri="{BB962C8B-B14F-4D97-AF65-F5344CB8AC3E}">
-        <p14:creationId xmlns="" xmlns:p14="http://schemas.microsoft.com/office/powerpoint/2010/main" val="1315004973"/>
+        <p14:creationId xmlns:p14="http://schemas.microsoft.com/office/powerpoint/2010/main" xmlns="" val="1315004973"/>
       </p:ext>
     </p:extLst>
   </p:cSld>
@@ -1337,7 +1337,7 @@
     </p:spTree>
     <p:extLst>
       <p:ext uri="{BB962C8B-B14F-4D97-AF65-F5344CB8AC3E}">
-        <p14:creationId xmlns="" xmlns:p14="http://schemas.microsoft.com/office/powerpoint/2010/main" val="3048296005"/>
+        <p14:creationId xmlns:p14="http://schemas.microsoft.com/office/powerpoint/2010/main" xmlns="" val="3048296005"/>
       </p:ext>
     </p:extLst>
   </p:cSld>
@@ -1706,7 +1706,7 @@
     </p:spTree>
     <p:extLst>
       <p:ext uri="{BB962C8B-B14F-4D97-AF65-F5344CB8AC3E}">
-        <p14:creationId xmlns="" xmlns:p14="http://schemas.microsoft.com/office/powerpoint/2010/main" val="890299385"/>
+        <p14:creationId xmlns:p14="http://schemas.microsoft.com/office/powerpoint/2010/main" xmlns="" val="890299385"/>
       </p:ext>
     </p:extLst>
   </p:cSld>
@@ -1826,7 +1826,7 @@
     </p:spTree>
     <p:extLst>
       <p:ext uri="{BB962C8B-B14F-4D97-AF65-F5344CB8AC3E}">
-        <p14:creationId xmlns="" xmlns:p14="http://schemas.microsoft.com/office/powerpoint/2010/main" val="2049573599"/>
+        <p14:creationId xmlns:p14="http://schemas.microsoft.com/office/powerpoint/2010/main" xmlns="" val="2049573599"/>
       </p:ext>
     </p:extLst>
   </p:cSld>
@@ -1923,7 +1923,7 @@
     </p:spTree>
     <p:extLst>
       <p:ext uri="{BB962C8B-B14F-4D97-AF65-F5344CB8AC3E}">
-        <p14:creationId xmlns="" xmlns:p14="http://schemas.microsoft.com/office/powerpoint/2010/main" val="1896888541"/>
+        <p14:creationId xmlns:p14="http://schemas.microsoft.com/office/powerpoint/2010/main" xmlns="" val="1896888541"/>
       </p:ext>
     </p:extLst>
   </p:cSld>
@@ -2202,7 +2202,7 @@
     </p:spTree>
     <p:extLst>
       <p:ext uri="{BB962C8B-B14F-4D97-AF65-F5344CB8AC3E}">
-        <p14:creationId xmlns="" xmlns:p14="http://schemas.microsoft.com/office/powerpoint/2010/main" val="1581260034"/>
+        <p14:creationId xmlns:p14="http://schemas.microsoft.com/office/powerpoint/2010/main" xmlns="" val="1581260034"/>
       </p:ext>
     </p:extLst>
   </p:cSld>
@@ -2461,7 +2461,7 @@
     </p:spTree>
     <p:extLst>
       <p:ext uri="{BB962C8B-B14F-4D97-AF65-F5344CB8AC3E}">
-        <p14:creationId xmlns="" xmlns:p14="http://schemas.microsoft.com/office/powerpoint/2010/main" val="2397771766"/>
+        <p14:creationId xmlns:p14="http://schemas.microsoft.com/office/powerpoint/2010/main" xmlns="" val="2397771766"/>
       </p:ext>
     </p:extLst>
   </p:cSld>
@@ -2714,7 +2714,7 @@
           <p:cNvPr id="7" name="TextBox 6">
             <a:extLst>
               <a:ext uri="{FF2B5EF4-FFF2-40B4-BE49-F238E27FC236}">
-                <a16:creationId xmlns="" xmlns:a16="http://schemas.microsoft.com/office/drawing/2014/main" id="{847969B0-9AAB-4EBF-AF99-17A470D83F03}"/>
+                <a16:creationId xmlns:a16="http://schemas.microsoft.com/office/drawing/2014/main" xmlns="" id="{847969B0-9AAB-4EBF-AF99-17A470D83F03}"/>
               </a:ext>
             </a:extLst>
           </p:cNvPr>
@@ -2761,7 +2761,7 @@
     </p:spTree>
     <p:extLst>
       <p:ext uri="{BB962C8B-B14F-4D97-AF65-F5344CB8AC3E}">
-        <p14:creationId xmlns="" xmlns:p14="http://schemas.microsoft.com/office/powerpoint/2010/main" val="492407304"/>
+        <p14:creationId xmlns:p14="http://schemas.microsoft.com/office/powerpoint/2010/main" xmlns="" val="492407304"/>
       </p:ext>
     </p:extLst>
   </p:cSld>
@@ -3169,7 +3169,7 @@
     </p:spTree>
     <p:extLst>
       <p:ext uri="{BB962C8B-B14F-4D97-AF65-F5344CB8AC3E}">
-        <p14:creationId xmlns="" xmlns:p14="http://schemas.microsoft.com/office/powerpoint/2010/main" val="4062787881"/>
+        <p14:creationId xmlns:p14="http://schemas.microsoft.com/office/powerpoint/2010/main" xmlns="" val="4062787881"/>
       </p:ext>
     </p:extLst>
   </p:cSld>
@@ -4550,8 +4550,13 @@
             </a:pPr>
             <a:r>
               <a:rPr lang="en-US" dirty="0" smtClean="0"/>
-              <a:t>CSS element Selector</a:t>
-            </a:r>
+              <a:t>CSS element </a:t>
+            </a:r>
+            <a:r>
+              <a:rPr lang="en-US" dirty="0" smtClean="0"/>
+              <a:t>Selector or type selector</a:t>
+            </a:r>
+            <a:endParaRPr lang="en-US" dirty="0" smtClean="0"/>
           </a:p>
           <a:p>
             <a:pPr marL="285750" indent="-285750">
@@ -4618,7 +4623,7 @@
     </p:spTree>
     <p:extLst>
       <p:ext uri="{BB962C8B-B14F-4D97-AF65-F5344CB8AC3E}">
-        <p14:creationId xmlns="" xmlns:p14="http://schemas.microsoft.com/office/powerpoint/2010/main" val="2848728424"/>
+        <p14:creationId xmlns:p14="http://schemas.microsoft.com/office/powerpoint/2010/main" xmlns="" val="2848728424"/>
       </p:ext>
     </p:extLst>
   </p:cSld>
@@ -5334,7 +5339,7 @@
           <p:cNvPr id="11" name="Rectangle 10">
             <a:extLst>
               <a:ext uri="{FF2B5EF4-FFF2-40B4-BE49-F238E27FC236}">
-                <a16:creationId xmlns="" xmlns:a16="http://schemas.microsoft.com/office/drawing/2014/main" id="{206016ED-72BE-418C-807D-52DC06FF490C}"/>
+                <a16:creationId xmlns:a16="http://schemas.microsoft.com/office/drawing/2014/main" xmlns="" id="{206016ED-72BE-418C-807D-52DC06FF490C}"/>
               </a:ext>
             </a:extLst>
           </p:cNvPr>
@@ -5464,7 +5469,7 @@
           <p:cNvPr id="12" name="Rectangle 11">
             <a:extLst>
               <a:ext uri="{FF2B5EF4-FFF2-40B4-BE49-F238E27FC236}">
-                <a16:creationId xmlns="" xmlns:a16="http://schemas.microsoft.com/office/drawing/2014/main" id="{206016ED-72BE-418C-807D-52DC06FF490C}"/>
+                <a16:creationId xmlns:a16="http://schemas.microsoft.com/office/drawing/2014/main" xmlns="" id="{206016ED-72BE-418C-807D-52DC06FF490C}"/>
               </a:ext>
             </a:extLst>
           </p:cNvPr>
@@ -5631,7 +5636,7 @@
           <p:cNvPr id="13" name="Rectangle 12">
             <a:extLst>
               <a:ext uri="{FF2B5EF4-FFF2-40B4-BE49-F238E27FC236}">
-                <a16:creationId xmlns="" xmlns:a16="http://schemas.microsoft.com/office/drawing/2014/main" id="{206016ED-72BE-418C-807D-52DC06FF490C}"/>
+                <a16:creationId xmlns:a16="http://schemas.microsoft.com/office/drawing/2014/main" xmlns="" id="{206016ED-72BE-418C-807D-52DC06FF490C}"/>
               </a:ext>
             </a:extLst>
           </p:cNvPr>
@@ -5796,7 +5801,7 @@
     </p:spTree>
     <p:extLst>
       <p:ext uri="{BB962C8B-B14F-4D97-AF65-F5344CB8AC3E}">
-        <p14:creationId xmlns="" xmlns:p14="http://schemas.microsoft.com/office/powerpoint/2010/main" val="2848728424"/>
+        <p14:creationId xmlns:p14="http://schemas.microsoft.com/office/powerpoint/2010/main" xmlns="" val="2848728424"/>
       </p:ext>
     </p:extLst>
   </p:cSld>
@@ -6142,7 +6147,7 @@
           <p:cNvPr id="11" name="Rectangle 10">
             <a:extLst>
               <a:ext uri="{FF2B5EF4-FFF2-40B4-BE49-F238E27FC236}">
-                <a16:creationId xmlns="" xmlns:a16="http://schemas.microsoft.com/office/drawing/2014/main" id="{206016ED-72BE-418C-807D-52DC06FF490C}"/>
+                <a16:creationId xmlns:a16="http://schemas.microsoft.com/office/drawing/2014/main" xmlns="" id="{206016ED-72BE-418C-807D-52DC06FF490C}"/>
               </a:ext>
             </a:extLst>
           </p:cNvPr>
@@ -6277,7 +6282,7 @@
           <p:cNvPr id="12" name="Rectangle 11">
             <a:extLst>
               <a:ext uri="{FF2B5EF4-FFF2-40B4-BE49-F238E27FC236}">
-                <a16:creationId xmlns="" xmlns:a16="http://schemas.microsoft.com/office/drawing/2014/main" id="{206016ED-72BE-418C-807D-52DC06FF490C}"/>
+                <a16:creationId xmlns:a16="http://schemas.microsoft.com/office/drawing/2014/main" xmlns="" id="{206016ED-72BE-418C-807D-52DC06FF490C}"/>
               </a:ext>
             </a:extLst>
           </p:cNvPr>
@@ -6610,7 +6615,7 @@
           <p:cNvPr id="10" name="Rectangle 9">
             <a:extLst>
               <a:ext uri="{FF2B5EF4-FFF2-40B4-BE49-F238E27FC236}">
-                <a16:creationId xmlns="" xmlns:a16="http://schemas.microsoft.com/office/drawing/2014/main" id="{206016ED-72BE-418C-807D-52DC06FF490C}"/>
+                <a16:creationId xmlns:a16="http://schemas.microsoft.com/office/drawing/2014/main" xmlns="" id="{206016ED-72BE-418C-807D-52DC06FF490C}"/>
               </a:ext>
             </a:extLst>
           </p:cNvPr>
@@ -6783,7 +6788,7 @@
     </p:spTree>
     <p:extLst>
       <p:ext uri="{BB962C8B-B14F-4D97-AF65-F5344CB8AC3E}">
-        <p14:creationId xmlns="" xmlns:p14="http://schemas.microsoft.com/office/powerpoint/2010/main" val="2848728424"/>
+        <p14:creationId xmlns:p14="http://schemas.microsoft.com/office/powerpoint/2010/main" xmlns="" val="2848728424"/>
       </p:ext>
     </p:extLst>
   </p:cSld>
@@ -7555,7 +7560,7 @@
   <a:extraClrSchemeLst/>
   <a:extLst>
     <a:ext uri="{05A4C25C-085E-4340-85A3-A5531E510DB2}">
-      <thm15:themeFamily xmlns="" xmlns:thm15="http://schemas.microsoft.com/office/thememl/2012/main" name="Office Theme" id="{62F939B6-93AF-4DB8-9C6B-D6C7DFDC589F}" vid="{4A3C46E8-61CC-4603-A589-7422A47A8E4A}"/>
+      <thm15:themeFamily xmlns:thm15="http://schemas.microsoft.com/office/thememl/2012/main" xmlns="" name="Office Theme" id="{62F939B6-93AF-4DB8-9C6B-D6C7DFDC589F}" vid="{4A3C46E8-61CC-4603-A589-7422A47A8E4A}"/>
     </a:ext>
   </a:extLst>
 </a:theme>
